--- a/Howtos/How to Write documentation.pptx
+++ b/Howtos/How to Write documentation.pptx
@@ -126,7 +126,7 @@
 <file path=ppt/revisionInfo.xml><?xml version="1.0" encoding="utf-8"?>
 <p1510:revInfo xmlns:a="http://schemas.openxmlformats.org/drawingml/2006/main" xmlns:r="http://schemas.openxmlformats.org/officeDocument/2006/relationships" xmlns:p1510="http://schemas.microsoft.com/office/powerpoint/2015/10/main">
   <p1510:revLst>
-    <p1510:client id="{7A7D085B-D768-AB88-4360-216EFCD5C4CC}" v="5726" dt="2025-11-19T14:58:27.610"/>
+    <p1510:client id="{7A7D085B-D768-AB88-4360-216EFCD5C4CC}" v="5727" dt="2025-11-19T15:10:38.557"/>
   </p1510:revLst>
 </p1510:revInfo>
 </file>
@@ -315,7 +315,7 @@
           <a:p>
             <a:fld id="{4AAD347D-5ACD-4C99-B74B-A9C85AD731AF}" type="datetimeFigureOut">
               <a:rPr lang="en-US" dirty="0"/>
-              <a:t>11/19/2025</a:t>
+              <a:t>11/21/2025</a:t>
             </a:fld>
             <a:endParaRPr lang="en-US" dirty="0"/>
           </a:p>
@@ -585,7 +585,7 @@
           <a:p>
             <a:fld id="{4509A250-FF31-4206-8172-F9D3106AACB1}" type="datetimeFigureOut">
               <a:rPr lang="en-US" dirty="0"/>
-              <a:t>11/19/2025</a:t>
+              <a:t>11/21/2025</a:t>
             </a:fld>
             <a:endParaRPr lang="en-US" dirty="0"/>
           </a:p>
@@ -778,7 +778,7 @@
           <a:p>
             <a:fld id="{4509A250-FF31-4206-8172-F9D3106AACB1}" type="datetimeFigureOut">
               <a:rPr lang="en-US" dirty="0"/>
-              <a:t>11/19/2025</a:t>
+              <a:t>11/21/2025</a:t>
             </a:fld>
             <a:endParaRPr lang="en-US" dirty="0"/>
           </a:p>
@@ -1050,7 +1050,7 @@
           <a:p>
             <a:fld id="{4509A250-FF31-4206-8172-F9D3106AACB1}" type="datetimeFigureOut">
               <a:rPr lang="en-US" dirty="0"/>
-              <a:t>11/19/2025</a:t>
+              <a:t>11/21/2025</a:t>
             </a:fld>
             <a:endParaRPr lang="en-US" dirty="0"/>
           </a:p>
@@ -1390,7 +1390,7 @@
           <a:p>
             <a:fld id="{4509A250-FF31-4206-8172-F9D3106AACB1}" type="datetimeFigureOut">
               <a:rPr lang="en-US" dirty="0"/>
-              <a:t>11/19/2025</a:t>
+              <a:t>11/21/2025</a:t>
             </a:fld>
             <a:endParaRPr lang="en-US" dirty="0"/>
           </a:p>
@@ -2012,7 +2012,7 @@
           <a:p>
             <a:fld id="{4509A250-FF31-4206-8172-F9D3106AACB1}" type="datetimeFigureOut">
               <a:rPr lang="en-US" dirty="0"/>
-              <a:t>11/19/2025</a:t>
+              <a:t>11/21/2025</a:t>
             </a:fld>
             <a:endParaRPr lang="en-US" dirty="0"/>
           </a:p>
@@ -2859,7 +2859,7 @@
           <a:p>
             <a:fld id="{4509A250-FF31-4206-8172-F9D3106AACB1}" type="datetimeFigureOut">
               <a:rPr lang="en-US" dirty="0"/>
-              <a:t>11/19/2025</a:t>
+              <a:t>11/21/2025</a:t>
             </a:fld>
             <a:endParaRPr lang="en-US" dirty="0"/>
           </a:p>
@@ -3027,7 +3027,7 @@
           <a:p>
             <a:fld id="{4509A250-FF31-4206-8172-F9D3106AACB1}" type="datetimeFigureOut">
               <a:rPr lang="en-US" dirty="0"/>
-              <a:t>11/19/2025</a:t>
+              <a:t>11/21/2025</a:t>
             </a:fld>
             <a:endParaRPr lang="en-US" dirty="0"/>
           </a:p>
@@ -3205,7 +3205,7 @@
           <a:p>
             <a:fld id="{4509A250-FF31-4206-8172-F9D3106AACB1}" type="datetimeFigureOut">
               <a:rPr lang="en-US" dirty="0"/>
-              <a:t>11/19/2025</a:t>
+              <a:t>11/21/2025</a:t>
             </a:fld>
             <a:endParaRPr lang="en-US" dirty="0"/>
           </a:p>
@@ -3373,7 +3373,7 @@
           <a:p>
             <a:fld id="{4509A250-FF31-4206-8172-F9D3106AACB1}" type="datetimeFigureOut">
               <a:rPr lang="en-US" dirty="0"/>
-              <a:t>11/19/2025</a:t>
+              <a:t>11/21/2025</a:t>
             </a:fld>
             <a:endParaRPr lang="en-US" dirty="0"/>
           </a:p>
@@ -3619,7 +3619,7 @@
           <a:p>
             <a:fld id="{9796027F-7875-4030-9381-8BD8C4F21935}" type="datetimeFigureOut">
               <a:rPr lang="en-US" dirty="0"/>
-              <a:t>11/19/2025</a:t>
+              <a:t>11/21/2025</a:t>
             </a:fld>
             <a:endParaRPr lang="en-US" dirty="0"/>
           </a:p>
@@ -3908,7 +3908,7 @@
           <a:p>
             <a:fld id="{9796027F-7875-4030-9381-8BD8C4F21935}" type="datetimeFigureOut">
               <a:rPr lang="en-US" dirty="0"/>
-              <a:t>11/19/2025</a:t>
+              <a:t>11/21/2025</a:t>
             </a:fld>
             <a:endParaRPr lang="en-US" dirty="0"/>
           </a:p>
@@ -4349,7 +4349,7 @@
           <a:p>
             <a:fld id="{9796027F-7875-4030-9381-8BD8C4F21935}" type="datetimeFigureOut">
               <a:rPr lang="en-US" dirty="0"/>
-              <a:t>11/19/2025</a:t>
+              <a:t>11/21/2025</a:t>
             </a:fld>
             <a:endParaRPr lang="en-US" dirty="0"/>
           </a:p>
@@ -4466,7 +4466,7 @@
           <a:p>
             <a:fld id="{4509A250-FF31-4206-8172-F9D3106AACB1}" type="datetimeFigureOut">
               <a:rPr lang="en-US" dirty="0"/>
-              <a:t>11/19/2025</a:t>
+              <a:t>11/21/2025</a:t>
             </a:fld>
             <a:endParaRPr lang="en-US" dirty="0"/>
           </a:p>
@@ -4561,7 +4561,7 @@
           <a:p>
             <a:fld id="{4509A250-FF31-4206-8172-F9D3106AACB1}" type="datetimeFigureOut">
               <a:rPr lang="en-US" dirty="0"/>
-              <a:t>11/19/2025</a:t>
+              <a:t>11/21/2025</a:t>
             </a:fld>
             <a:endParaRPr lang="en-US" dirty="0"/>
           </a:p>
@@ -4838,7 +4838,7 @@
           <a:p>
             <a:fld id="{4509A250-FF31-4206-8172-F9D3106AACB1}" type="datetimeFigureOut">
               <a:rPr lang="en-US" dirty="0"/>
-              <a:t>11/19/2025</a:t>
+              <a:t>11/21/2025</a:t>
             </a:fld>
             <a:endParaRPr lang="en-US" dirty="0"/>
           </a:p>
@@ -5108,7 +5108,7 @@
           <a:p>
             <a:fld id="{4509A250-FF31-4206-8172-F9D3106AACB1}" type="datetimeFigureOut">
               <a:rPr lang="en-US" dirty="0"/>
-              <a:t>11/19/2025</a:t>
+              <a:t>11/21/2025</a:t>
             </a:fld>
             <a:endParaRPr lang="en-US" dirty="0"/>
           </a:p>
@@ -5535,7 +5535,7 @@
           <a:p>
             <a:fld id="{4AAD347D-5ACD-4C99-B74B-A9C85AD731AF}" type="datetimeFigureOut">
               <a:rPr lang="en-US" dirty="0"/>
-              <a:t>11/19/2025</a:t>
+              <a:t>11/21/2025</a:t>
             </a:fld>
             <a:endParaRPr lang="en-US" dirty="0"/>
           </a:p>
@@ -6376,13 +6376,8 @@
             </a:pPr>
             <a:r>
               <a:rPr lang="en-US" dirty="0"/>
-              <a:t>You don't know who will read your documentation, don't make assumptions, don't make someone ask for special </a:t>
-            </a:r>
-            <a:r>
-              <a:rPr lang="en-US"/>
-              <a:t>treatment, make it accessible by default</a:t>
-            </a:r>
-            <a:endParaRPr lang="en-US" dirty="0"/>
+              <a:t>You don't know who will read your documentation, don't make assumptions, don't make someone ask for special treatment, make it accessible by default</a:t>
+            </a:r>
           </a:p>
           <a:p>
             <a:pPr>
